--- a/Day 4/Slides/Handling Exceptions in Java/1. Course Overview/course-overview-exceptions-slides.pptx
+++ b/Day 4/Slides/Handling Exceptions in Java/1. Course Overview/course-overview-exceptions-slides.pptx
@@ -5,17 +5,17 @@
     <p:sldMasterId id="2147483648" r:id="rId1"/>
   </p:sldMasterIdLst>
   <p:notesMasterIdLst>
-    <p:notesMasterId r:id="rId11"/>
+    <p:notesMasterId r:id="rId10"/>
   </p:notesMasterIdLst>
   <p:sldIdLst>
-    <p:sldId id="257" r:id="rId3"/>
-    <p:sldId id="256" r:id="rId4"/>
-    <p:sldId id="258" r:id="rId5"/>
-    <p:sldId id="259" r:id="rId6"/>
-    <p:sldId id="260" r:id="rId7"/>
-    <p:sldId id="263" r:id="rId8"/>
-    <p:sldId id="261" r:id="rId9"/>
-    <p:sldId id="264" r:id="rId10"/>
+    <p:sldId id="257" r:id="rId2"/>
+    <p:sldId id="256" r:id="rId3"/>
+    <p:sldId id="258" r:id="rId4"/>
+    <p:sldId id="259" r:id="rId5"/>
+    <p:sldId id="260" r:id="rId6"/>
+    <p:sldId id="263" r:id="rId7"/>
+    <p:sldId id="261" r:id="rId8"/>
+    <p:sldId id="264" r:id="rId9"/>
   </p:sldIdLst>
   <p:sldSz cx="12192000" cy="6858000"/>
   <p:notesSz cx="6858000" cy="9144000"/>
@@ -114,6 +114,11 @@
       </a:defRPr>
     </a:lvl9pPr>
   </p:defaultTextStyle>
+  <p:extLst>
+    <p:ext uri="{EFAFB233-063F-42B5-8137-9DF3F51BA10A}">
+      <p15:sldGuideLst xmlns:p15="http://schemas.microsoft.com/office/powerpoint/2012/main"/>
+    </p:ext>
+  </p:extLst>
 </p:presentation>
 </file>
 
@@ -199,6 +204,7 @@
           <a:p>
             <a:fld id="{3EFD42F7-718C-4B98-AAEC-167E6DDD60A7}" type="datetimeFigureOut">
               <a:rPr lang="en-US" smtClean="0"/>
+              <a:t>8/8/2023</a:t>
             </a:fld>
             <a:endParaRPr lang="en-US"/>
           </a:p>
@@ -262,42 +268,37 @@
           <a:p>
             <a:pPr lvl="0"/>
             <a:r>
-              <a:rPr lang="en-US" smtClean="0"/>
+              <a:rPr lang="en-US"/>
               <a:t>Click to edit Master text styles</a:t>
             </a:r>
-            <a:endParaRPr lang="en-US" smtClean="0"/>
           </a:p>
           <a:p>
             <a:pPr lvl="1"/>
             <a:r>
-              <a:rPr lang="en-US" smtClean="0"/>
+              <a:rPr lang="en-US"/>
               <a:t>Second level</a:t>
             </a:r>
-            <a:endParaRPr lang="en-US" smtClean="0"/>
           </a:p>
           <a:p>
             <a:pPr lvl="2"/>
             <a:r>
-              <a:rPr lang="en-US" smtClean="0"/>
+              <a:rPr lang="en-US"/>
               <a:t>Third level</a:t>
             </a:r>
-            <a:endParaRPr lang="en-US" smtClean="0"/>
           </a:p>
           <a:p>
             <a:pPr lvl="3"/>
             <a:r>
-              <a:rPr lang="en-US" smtClean="0"/>
+              <a:rPr lang="en-US"/>
               <a:t>Fourth level</a:t>
             </a:r>
-            <a:endParaRPr lang="en-US" smtClean="0"/>
           </a:p>
           <a:p>
             <a:pPr lvl="4"/>
             <a:r>
-              <a:rPr lang="en-US" smtClean="0"/>
+              <a:rPr lang="en-US"/>
               <a:t>Fifth level</a:t>
             </a:r>
-            <a:endParaRPr lang="en-US"/>
           </a:p>
         </p:txBody>
       </p:sp>
@@ -361,6 +362,7 @@
           <a:p>
             <a:fld id="{21B2AA4F-B828-4D7C-AFD3-893933DAFCB4}" type="slidenum">
               <a:rPr lang="en-US" smtClean="0"/>
+              <a:t>‹#›</a:t>
             </a:fld>
             <a:endParaRPr lang="en-US"/>
           </a:p>
@@ -506,10 +508,9 @@
           </a:lstStyle>
           <a:p>
             <a:r>
-              <a:rPr lang="en-US" smtClean="0"/>
+              <a:rPr lang="en-US"/>
               <a:t>Click to edit Master title style</a:t>
             </a:r>
-            <a:endParaRPr lang="en-US"/>
           </a:p>
         </p:txBody>
       </p:sp>
@@ -571,10 +572,9 @@
           </a:lstStyle>
           <a:p>
             <a:r>
-              <a:rPr lang="en-US" smtClean="0"/>
+              <a:rPr lang="en-US"/>
               <a:t>Click to edit Master subtitle style</a:t>
             </a:r>
-            <a:endParaRPr lang="en-US"/>
           </a:p>
         </p:txBody>
       </p:sp>
@@ -595,6 +595,7 @@
           <a:p>
             <a:fld id="{63A1C593-65D0-4073-BCC9-577B9352EA97}" type="datetimeFigureOut">
               <a:rPr lang="en-US" smtClean="0"/>
+              <a:t>8/8/2023</a:t>
             </a:fld>
             <a:endParaRPr lang="en-US"/>
           </a:p>
@@ -636,6 +637,7 @@
           <a:p>
             <a:fld id="{9B618960-8005-486C-9A75-10CB2AAC16F9}" type="slidenum">
               <a:rPr lang="en-US" smtClean="0"/>
+              <a:t>‹#›</a:t>
             </a:fld>
             <a:endParaRPr lang="en-US"/>
           </a:p>
@@ -683,10 +685,9 @@
           <a:lstStyle/>
           <a:p>
             <a:r>
-              <a:rPr lang="en-US" smtClean="0"/>
+              <a:rPr lang="en-US"/>
               <a:t>Click to edit Master title style</a:t>
             </a:r>
-            <a:endParaRPr lang="en-US"/>
           </a:p>
         </p:txBody>
       </p:sp>
@@ -707,42 +708,37 @@
           <a:p>
             <a:pPr lvl="0"/>
             <a:r>
-              <a:rPr lang="en-US" smtClean="0"/>
+              <a:rPr lang="en-US"/>
               <a:t>Click to edit Master text styles</a:t>
             </a:r>
-            <a:endParaRPr lang="en-US" smtClean="0"/>
           </a:p>
           <a:p>
             <a:pPr lvl="1"/>
             <a:r>
-              <a:rPr lang="en-US" smtClean="0"/>
+              <a:rPr lang="en-US"/>
               <a:t>Second level</a:t>
             </a:r>
-            <a:endParaRPr lang="en-US" smtClean="0"/>
           </a:p>
           <a:p>
             <a:pPr lvl="2"/>
             <a:r>
-              <a:rPr lang="en-US" smtClean="0"/>
+              <a:rPr lang="en-US"/>
               <a:t>Third level</a:t>
             </a:r>
-            <a:endParaRPr lang="en-US" smtClean="0"/>
           </a:p>
           <a:p>
             <a:pPr lvl="3"/>
             <a:r>
-              <a:rPr lang="en-US" smtClean="0"/>
+              <a:rPr lang="en-US"/>
               <a:t>Fourth level</a:t>
             </a:r>
-            <a:endParaRPr lang="en-US" smtClean="0"/>
           </a:p>
           <a:p>
             <a:pPr lvl="4"/>
             <a:r>
-              <a:rPr lang="en-US" smtClean="0"/>
+              <a:rPr lang="en-US"/>
               <a:t>Fifth level</a:t>
             </a:r>
-            <a:endParaRPr lang="en-US"/>
           </a:p>
         </p:txBody>
       </p:sp>
@@ -763,6 +759,7 @@
           <a:p>
             <a:fld id="{63A1C593-65D0-4073-BCC9-577B9352EA97}" type="datetimeFigureOut">
               <a:rPr lang="en-US" smtClean="0"/>
+              <a:t>8/8/2023</a:t>
             </a:fld>
             <a:endParaRPr lang="en-US"/>
           </a:p>
@@ -804,6 +801,7 @@
           <a:p>
             <a:fld id="{9B618960-8005-486C-9A75-10CB2AAC16F9}" type="slidenum">
               <a:rPr lang="en-US" smtClean="0"/>
+              <a:t>‹#›</a:t>
             </a:fld>
             <a:endParaRPr lang="en-US"/>
           </a:p>
@@ -856,10 +854,9 @@
           <a:lstStyle/>
           <a:p>
             <a:r>
-              <a:rPr lang="en-US" smtClean="0"/>
+              <a:rPr lang="en-US"/>
               <a:t>Click to edit Master title style</a:t>
             </a:r>
-            <a:endParaRPr lang="en-US"/>
           </a:p>
         </p:txBody>
       </p:sp>
@@ -885,42 +882,37 @@
           <a:p>
             <a:pPr lvl="0"/>
             <a:r>
-              <a:rPr lang="en-US" smtClean="0"/>
+              <a:rPr lang="en-US"/>
               <a:t>Click to edit Master text styles</a:t>
             </a:r>
-            <a:endParaRPr lang="en-US" smtClean="0"/>
           </a:p>
           <a:p>
             <a:pPr lvl="1"/>
             <a:r>
-              <a:rPr lang="en-US" smtClean="0"/>
+              <a:rPr lang="en-US"/>
               <a:t>Second level</a:t>
             </a:r>
-            <a:endParaRPr lang="en-US" smtClean="0"/>
           </a:p>
           <a:p>
             <a:pPr lvl="2"/>
             <a:r>
-              <a:rPr lang="en-US" smtClean="0"/>
+              <a:rPr lang="en-US"/>
               <a:t>Third level</a:t>
             </a:r>
-            <a:endParaRPr lang="en-US" smtClean="0"/>
           </a:p>
           <a:p>
             <a:pPr lvl="3"/>
             <a:r>
-              <a:rPr lang="en-US" smtClean="0"/>
+              <a:rPr lang="en-US"/>
               <a:t>Fourth level</a:t>
             </a:r>
-            <a:endParaRPr lang="en-US" smtClean="0"/>
           </a:p>
           <a:p>
             <a:pPr lvl="4"/>
             <a:r>
-              <a:rPr lang="en-US" smtClean="0"/>
+              <a:rPr lang="en-US"/>
               <a:t>Fifth level</a:t>
             </a:r>
-            <a:endParaRPr lang="en-US"/>
           </a:p>
         </p:txBody>
       </p:sp>
@@ -941,6 +933,7 @@
           <a:p>
             <a:fld id="{63A1C593-65D0-4073-BCC9-577B9352EA97}" type="datetimeFigureOut">
               <a:rPr lang="en-US" smtClean="0"/>
+              <a:t>8/8/2023</a:t>
             </a:fld>
             <a:endParaRPr lang="en-US"/>
           </a:p>
@@ -982,6 +975,7 @@
           <a:p>
             <a:fld id="{9B618960-8005-486C-9A75-10CB2AAC16F9}" type="slidenum">
               <a:rPr lang="en-US" smtClean="0"/>
+              <a:t>‹#›</a:t>
             </a:fld>
             <a:endParaRPr lang="en-US"/>
           </a:p>
@@ -1029,10 +1023,9 @@
           <a:lstStyle/>
           <a:p>
             <a:r>
-              <a:rPr lang="en-US" smtClean="0"/>
+              <a:rPr lang="en-US"/>
               <a:t>Click to edit Master title style</a:t>
             </a:r>
-            <a:endParaRPr lang="en-US"/>
           </a:p>
         </p:txBody>
       </p:sp>
@@ -1053,42 +1046,37 @@
           <a:p>
             <a:pPr lvl="0"/>
             <a:r>
-              <a:rPr lang="en-US" smtClean="0"/>
+              <a:rPr lang="en-US"/>
               <a:t>Click to edit Master text styles</a:t>
             </a:r>
-            <a:endParaRPr lang="en-US" smtClean="0"/>
           </a:p>
           <a:p>
             <a:pPr lvl="1"/>
             <a:r>
-              <a:rPr lang="en-US" smtClean="0"/>
+              <a:rPr lang="en-US"/>
               <a:t>Second level</a:t>
             </a:r>
-            <a:endParaRPr lang="en-US" smtClean="0"/>
           </a:p>
           <a:p>
             <a:pPr lvl="2"/>
             <a:r>
-              <a:rPr lang="en-US" smtClean="0"/>
+              <a:rPr lang="en-US"/>
               <a:t>Third level</a:t>
             </a:r>
-            <a:endParaRPr lang="en-US" smtClean="0"/>
           </a:p>
           <a:p>
             <a:pPr lvl="3"/>
             <a:r>
-              <a:rPr lang="en-US" smtClean="0"/>
+              <a:rPr lang="en-US"/>
               <a:t>Fourth level</a:t>
             </a:r>
-            <a:endParaRPr lang="en-US" smtClean="0"/>
           </a:p>
           <a:p>
             <a:pPr lvl="4"/>
             <a:r>
-              <a:rPr lang="en-US" smtClean="0"/>
+              <a:rPr lang="en-US"/>
               <a:t>Fifth level</a:t>
             </a:r>
-            <a:endParaRPr lang="en-US"/>
           </a:p>
         </p:txBody>
       </p:sp>
@@ -1109,6 +1097,7 @@
           <a:p>
             <a:fld id="{63A1C593-65D0-4073-BCC9-577B9352EA97}" type="datetimeFigureOut">
               <a:rPr lang="en-US" smtClean="0"/>
+              <a:t>8/8/2023</a:t>
             </a:fld>
             <a:endParaRPr lang="en-US"/>
           </a:p>
@@ -1150,6 +1139,7 @@
           <a:p>
             <a:fld id="{9B618960-8005-486C-9A75-10CB2AAC16F9}" type="slidenum">
               <a:rPr lang="en-US" smtClean="0"/>
+              <a:t>‹#›</a:t>
             </a:fld>
             <a:endParaRPr lang="en-US"/>
           </a:p>
@@ -1206,10 +1196,9 @@
           </a:lstStyle>
           <a:p>
             <a:r>
-              <a:rPr lang="en-US" smtClean="0"/>
+              <a:rPr lang="en-US"/>
               <a:t>Click to edit Master title style</a:t>
             </a:r>
-            <a:endParaRPr lang="en-US"/>
           </a:p>
         </p:txBody>
       </p:sp>
@@ -1326,10 +1315,9 @@
           <a:p>
             <a:pPr lvl="0"/>
             <a:r>
-              <a:rPr lang="en-US" smtClean="0"/>
+              <a:rPr lang="en-US"/>
               <a:t>Click to edit Master text styles</a:t>
             </a:r>
-            <a:endParaRPr lang="en-US" smtClean="0"/>
           </a:p>
         </p:txBody>
       </p:sp>
@@ -1350,6 +1338,7 @@
           <a:p>
             <a:fld id="{63A1C593-65D0-4073-BCC9-577B9352EA97}" type="datetimeFigureOut">
               <a:rPr lang="en-US" smtClean="0"/>
+              <a:t>8/8/2023</a:t>
             </a:fld>
             <a:endParaRPr lang="en-US"/>
           </a:p>
@@ -1391,6 +1380,7 @@
           <a:p>
             <a:fld id="{9B618960-8005-486C-9A75-10CB2AAC16F9}" type="slidenum">
               <a:rPr lang="en-US" smtClean="0"/>
+              <a:t>‹#›</a:t>
             </a:fld>
             <a:endParaRPr lang="en-US"/>
           </a:p>
@@ -1438,10 +1428,9 @@
           <a:lstStyle/>
           <a:p>
             <a:r>
-              <a:rPr lang="en-US" smtClean="0"/>
+              <a:rPr lang="en-US"/>
               <a:t>Click to edit Master title style</a:t>
             </a:r>
-            <a:endParaRPr lang="en-US"/>
           </a:p>
         </p:txBody>
       </p:sp>
@@ -1467,42 +1456,37 @@
           <a:p>
             <a:pPr lvl="0"/>
             <a:r>
-              <a:rPr lang="en-US" smtClean="0"/>
+              <a:rPr lang="en-US"/>
               <a:t>Click to edit Master text styles</a:t>
             </a:r>
-            <a:endParaRPr lang="en-US" smtClean="0"/>
           </a:p>
           <a:p>
             <a:pPr lvl="1"/>
             <a:r>
-              <a:rPr lang="en-US" smtClean="0"/>
+              <a:rPr lang="en-US"/>
               <a:t>Second level</a:t>
             </a:r>
-            <a:endParaRPr lang="en-US" smtClean="0"/>
           </a:p>
           <a:p>
             <a:pPr lvl="2"/>
             <a:r>
-              <a:rPr lang="en-US" smtClean="0"/>
+              <a:rPr lang="en-US"/>
               <a:t>Third level</a:t>
             </a:r>
-            <a:endParaRPr lang="en-US" smtClean="0"/>
           </a:p>
           <a:p>
             <a:pPr lvl="3"/>
             <a:r>
-              <a:rPr lang="en-US" smtClean="0"/>
+              <a:rPr lang="en-US"/>
               <a:t>Fourth level</a:t>
             </a:r>
-            <a:endParaRPr lang="en-US" smtClean="0"/>
           </a:p>
           <a:p>
             <a:pPr lvl="4"/>
             <a:r>
-              <a:rPr lang="en-US" smtClean="0"/>
+              <a:rPr lang="en-US"/>
               <a:t>Fifth level</a:t>
             </a:r>
-            <a:endParaRPr lang="en-US"/>
           </a:p>
         </p:txBody>
       </p:sp>
@@ -1528,42 +1512,37 @@
           <a:p>
             <a:pPr lvl="0"/>
             <a:r>
-              <a:rPr lang="en-US" smtClean="0"/>
+              <a:rPr lang="en-US"/>
               <a:t>Click to edit Master text styles</a:t>
             </a:r>
-            <a:endParaRPr lang="en-US" smtClean="0"/>
           </a:p>
           <a:p>
             <a:pPr lvl="1"/>
             <a:r>
-              <a:rPr lang="en-US" smtClean="0"/>
+              <a:rPr lang="en-US"/>
               <a:t>Second level</a:t>
             </a:r>
-            <a:endParaRPr lang="en-US" smtClean="0"/>
           </a:p>
           <a:p>
             <a:pPr lvl="2"/>
             <a:r>
-              <a:rPr lang="en-US" smtClean="0"/>
+              <a:rPr lang="en-US"/>
               <a:t>Third level</a:t>
             </a:r>
-            <a:endParaRPr lang="en-US" smtClean="0"/>
           </a:p>
           <a:p>
             <a:pPr lvl="3"/>
             <a:r>
-              <a:rPr lang="en-US" smtClean="0"/>
+              <a:rPr lang="en-US"/>
               <a:t>Fourth level</a:t>
             </a:r>
-            <a:endParaRPr lang="en-US" smtClean="0"/>
           </a:p>
           <a:p>
             <a:pPr lvl="4"/>
             <a:r>
-              <a:rPr lang="en-US" smtClean="0"/>
+              <a:rPr lang="en-US"/>
               <a:t>Fifth level</a:t>
             </a:r>
-            <a:endParaRPr lang="en-US"/>
           </a:p>
         </p:txBody>
       </p:sp>
@@ -1584,6 +1563,7 @@
           <a:p>
             <a:fld id="{63A1C593-65D0-4073-BCC9-577B9352EA97}" type="datetimeFigureOut">
               <a:rPr lang="en-US" smtClean="0"/>
+              <a:t>8/8/2023</a:t>
             </a:fld>
             <a:endParaRPr lang="en-US"/>
           </a:p>
@@ -1625,6 +1605,7 @@
           <a:p>
             <a:fld id="{9B618960-8005-486C-9A75-10CB2AAC16F9}" type="slidenum">
               <a:rPr lang="en-US" smtClean="0"/>
+              <a:t>‹#›</a:t>
             </a:fld>
             <a:endParaRPr lang="en-US"/>
           </a:p>
@@ -1677,10 +1658,9 @@
           <a:lstStyle/>
           <a:p>
             <a:r>
-              <a:rPr lang="en-US" smtClean="0"/>
+              <a:rPr lang="en-US"/>
               <a:t>Click to edit Master title style</a:t>
             </a:r>
-            <a:endParaRPr lang="en-US"/>
           </a:p>
         </p:txBody>
       </p:sp>
@@ -1743,10 +1723,9 @@
           <a:p>
             <a:pPr lvl="0"/>
             <a:r>
-              <a:rPr lang="en-US" smtClean="0"/>
+              <a:rPr lang="en-US"/>
               <a:t>Click to edit Master text styles</a:t>
             </a:r>
-            <a:endParaRPr lang="en-US" smtClean="0"/>
           </a:p>
         </p:txBody>
       </p:sp>
@@ -1772,42 +1751,37 @@
           <a:p>
             <a:pPr lvl="0"/>
             <a:r>
-              <a:rPr lang="en-US" smtClean="0"/>
+              <a:rPr lang="en-US"/>
               <a:t>Click to edit Master text styles</a:t>
             </a:r>
-            <a:endParaRPr lang="en-US" smtClean="0"/>
           </a:p>
           <a:p>
             <a:pPr lvl="1"/>
             <a:r>
-              <a:rPr lang="en-US" smtClean="0"/>
+              <a:rPr lang="en-US"/>
               <a:t>Second level</a:t>
             </a:r>
-            <a:endParaRPr lang="en-US" smtClean="0"/>
           </a:p>
           <a:p>
             <a:pPr lvl="2"/>
             <a:r>
-              <a:rPr lang="en-US" smtClean="0"/>
+              <a:rPr lang="en-US"/>
               <a:t>Third level</a:t>
             </a:r>
-            <a:endParaRPr lang="en-US" smtClean="0"/>
           </a:p>
           <a:p>
             <a:pPr lvl="3"/>
             <a:r>
-              <a:rPr lang="en-US" smtClean="0"/>
+              <a:rPr lang="en-US"/>
               <a:t>Fourth level</a:t>
             </a:r>
-            <a:endParaRPr lang="en-US" smtClean="0"/>
           </a:p>
           <a:p>
             <a:pPr lvl="4"/>
             <a:r>
-              <a:rPr lang="en-US" smtClean="0"/>
+              <a:rPr lang="en-US"/>
               <a:t>Fifth level</a:t>
             </a:r>
-            <a:endParaRPr lang="en-US"/>
           </a:p>
         </p:txBody>
       </p:sp>
@@ -1870,10 +1844,9 @@
           <a:p>
             <a:pPr lvl="0"/>
             <a:r>
-              <a:rPr lang="en-US" smtClean="0"/>
+              <a:rPr lang="en-US"/>
               <a:t>Click to edit Master text styles</a:t>
             </a:r>
-            <a:endParaRPr lang="en-US" smtClean="0"/>
           </a:p>
         </p:txBody>
       </p:sp>
@@ -1899,42 +1872,37 @@
           <a:p>
             <a:pPr lvl="0"/>
             <a:r>
-              <a:rPr lang="en-US" smtClean="0"/>
+              <a:rPr lang="en-US"/>
               <a:t>Click to edit Master text styles</a:t>
             </a:r>
-            <a:endParaRPr lang="en-US" smtClean="0"/>
           </a:p>
           <a:p>
             <a:pPr lvl="1"/>
             <a:r>
-              <a:rPr lang="en-US" smtClean="0"/>
+              <a:rPr lang="en-US"/>
               <a:t>Second level</a:t>
             </a:r>
-            <a:endParaRPr lang="en-US" smtClean="0"/>
           </a:p>
           <a:p>
             <a:pPr lvl="2"/>
             <a:r>
-              <a:rPr lang="en-US" smtClean="0"/>
+              <a:rPr lang="en-US"/>
               <a:t>Third level</a:t>
             </a:r>
-            <a:endParaRPr lang="en-US" smtClean="0"/>
           </a:p>
           <a:p>
             <a:pPr lvl="3"/>
             <a:r>
-              <a:rPr lang="en-US" smtClean="0"/>
+              <a:rPr lang="en-US"/>
               <a:t>Fourth level</a:t>
             </a:r>
-            <a:endParaRPr lang="en-US" smtClean="0"/>
           </a:p>
           <a:p>
             <a:pPr lvl="4"/>
             <a:r>
-              <a:rPr lang="en-US" smtClean="0"/>
+              <a:rPr lang="en-US"/>
               <a:t>Fifth level</a:t>
             </a:r>
-            <a:endParaRPr lang="en-US"/>
           </a:p>
         </p:txBody>
       </p:sp>
@@ -1955,6 +1923,7 @@
           <a:p>
             <a:fld id="{63A1C593-65D0-4073-BCC9-577B9352EA97}" type="datetimeFigureOut">
               <a:rPr lang="en-US" smtClean="0"/>
+              <a:t>8/8/2023</a:t>
             </a:fld>
             <a:endParaRPr lang="en-US"/>
           </a:p>
@@ -1996,6 +1965,7 @@
           <a:p>
             <a:fld id="{9B618960-8005-486C-9A75-10CB2AAC16F9}" type="slidenum">
               <a:rPr lang="en-US" smtClean="0"/>
+              <a:t>‹#›</a:t>
             </a:fld>
             <a:endParaRPr lang="en-US"/>
           </a:p>
@@ -2043,10 +2013,9 @@
           <a:lstStyle/>
           <a:p>
             <a:r>
-              <a:rPr lang="en-US" smtClean="0"/>
+              <a:rPr lang="en-US"/>
               <a:t>Click to edit Master title style</a:t>
             </a:r>
-            <a:endParaRPr lang="en-US"/>
           </a:p>
         </p:txBody>
       </p:sp>
@@ -2067,6 +2036,7 @@
           <a:p>
             <a:fld id="{63A1C593-65D0-4073-BCC9-577B9352EA97}" type="datetimeFigureOut">
               <a:rPr lang="en-US" smtClean="0"/>
+              <a:t>8/8/2023</a:t>
             </a:fld>
             <a:endParaRPr lang="en-US"/>
           </a:p>
@@ -2108,6 +2078,7 @@
           <a:p>
             <a:fld id="{9B618960-8005-486C-9A75-10CB2AAC16F9}" type="slidenum">
               <a:rPr lang="en-US" smtClean="0"/>
+              <a:t>‹#›</a:t>
             </a:fld>
             <a:endParaRPr lang="en-US"/>
           </a:p>
@@ -2156,6 +2127,7 @@
           <a:p>
             <a:fld id="{63A1C593-65D0-4073-BCC9-577B9352EA97}" type="datetimeFigureOut">
               <a:rPr lang="en-US" smtClean="0"/>
+              <a:t>8/8/2023</a:t>
             </a:fld>
             <a:endParaRPr lang="en-US"/>
           </a:p>
@@ -2197,6 +2169,7 @@
           <a:p>
             <a:fld id="{9B618960-8005-486C-9A75-10CB2AAC16F9}" type="slidenum">
               <a:rPr lang="en-US" smtClean="0"/>
+              <a:t>‹#›</a:t>
             </a:fld>
             <a:endParaRPr lang="en-US"/>
           </a:p>
@@ -2253,10 +2226,9 @@
           </a:lstStyle>
           <a:p>
             <a:r>
-              <a:rPr lang="en-US" smtClean="0"/>
+              <a:rPr lang="en-US"/>
               <a:t>Click to edit Master title style</a:t>
             </a:r>
-            <a:endParaRPr lang="en-US"/>
           </a:p>
         </p:txBody>
       </p:sp>
@@ -2310,42 +2282,37 @@
           <a:p>
             <a:pPr lvl="0"/>
             <a:r>
-              <a:rPr lang="en-US" smtClean="0"/>
+              <a:rPr lang="en-US"/>
               <a:t>Click to edit Master text styles</a:t>
             </a:r>
-            <a:endParaRPr lang="en-US" smtClean="0"/>
           </a:p>
           <a:p>
             <a:pPr lvl="1"/>
             <a:r>
-              <a:rPr lang="en-US" smtClean="0"/>
+              <a:rPr lang="en-US"/>
               <a:t>Second level</a:t>
             </a:r>
-            <a:endParaRPr lang="en-US" smtClean="0"/>
           </a:p>
           <a:p>
             <a:pPr lvl="2"/>
             <a:r>
-              <a:rPr lang="en-US" smtClean="0"/>
+              <a:rPr lang="en-US"/>
               <a:t>Third level</a:t>
             </a:r>
-            <a:endParaRPr lang="en-US" smtClean="0"/>
           </a:p>
           <a:p>
             <a:pPr lvl="3"/>
             <a:r>
-              <a:rPr lang="en-US" smtClean="0"/>
+              <a:rPr lang="en-US"/>
               <a:t>Fourth level</a:t>
             </a:r>
-            <a:endParaRPr lang="en-US" smtClean="0"/>
           </a:p>
           <a:p>
             <a:pPr lvl="4"/>
             <a:r>
-              <a:rPr lang="en-US" smtClean="0"/>
+              <a:rPr lang="en-US"/>
               <a:t>Fifth level</a:t>
             </a:r>
-            <a:endParaRPr lang="en-US"/>
           </a:p>
         </p:txBody>
       </p:sp>
@@ -2408,10 +2375,9 @@
           <a:p>
             <a:pPr lvl="0"/>
             <a:r>
-              <a:rPr lang="en-US" smtClean="0"/>
+              <a:rPr lang="en-US"/>
               <a:t>Click to edit Master text styles</a:t>
             </a:r>
-            <a:endParaRPr lang="en-US" smtClean="0"/>
           </a:p>
         </p:txBody>
       </p:sp>
@@ -2432,6 +2398,7 @@
           <a:p>
             <a:fld id="{63A1C593-65D0-4073-BCC9-577B9352EA97}" type="datetimeFigureOut">
               <a:rPr lang="en-US" smtClean="0"/>
+              <a:t>8/8/2023</a:t>
             </a:fld>
             <a:endParaRPr lang="en-US"/>
           </a:p>
@@ -2473,6 +2440,7 @@
           <a:p>
             <a:fld id="{9B618960-8005-486C-9A75-10CB2AAC16F9}" type="slidenum">
               <a:rPr lang="en-US" smtClean="0"/>
+              <a:t>‹#›</a:t>
             </a:fld>
             <a:endParaRPr lang="en-US"/>
           </a:p>
@@ -2529,10 +2497,9 @@
           </a:lstStyle>
           <a:p>
             <a:r>
-              <a:rPr lang="en-US" smtClean="0"/>
+              <a:rPr lang="en-US"/>
               <a:t>Click to edit Master title style</a:t>
             </a:r>
-            <a:endParaRPr lang="en-US"/>
           </a:p>
         </p:txBody>
       </p:sp>
@@ -2656,10 +2623,9 @@
           <a:p>
             <a:pPr lvl="0"/>
             <a:r>
-              <a:rPr lang="en-US" smtClean="0"/>
+              <a:rPr lang="en-US"/>
               <a:t>Click to edit Master text styles</a:t>
             </a:r>
-            <a:endParaRPr lang="en-US" smtClean="0"/>
           </a:p>
         </p:txBody>
       </p:sp>
@@ -2680,6 +2646,7 @@
           <a:p>
             <a:fld id="{63A1C593-65D0-4073-BCC9-577B9352EA97}" type="datetimeFigureOut">
               <a:rPr lang="en-US" smtClean="0"/>
+              <a:t>8/8/2023</a:t>
             </a:fld>
             <a:endParaRPr lang="en-US"/>
           </a:p>
@@ -2721,6 +2688,7 @@
           <a:p>
             <a:fld id="{9B618960-8005-486C-9A75-10CB2AAC16F9}" type="slidenum">
               <a:rPr lang="en-US" smtClean="0"/>
+              <a:t>‹#›</a:t>
             </a:fld>
             <a:endParaRPr lang="en-US"/>
           </a:p>
@@ -2783,10 +2751,9 @@
           <a:lstStyle/>
           <a:p>
             <a:r>
-              <a:rPr lang="en-US" smtClean="0"/>
+              <a:rPr lang="en-US"/>
               <a:t>Click to edit Master title style</a:t>
             </a:r>
-            <a:endParaRPr lang="en-US"/>
           </a:p>
         </p:txBody>
       </p:sp>
@@ -2817,42 +2784,37 @@
           <a:p>
             <a:pPr lvl="0"/>
             <a:r>
-              <a:rPr lang="en-US" smtClean="0"/>
+              <a:rPr lang="en-US"/>
               <a:t>Click to edit Master text styles</a:t>
             </a:r>
-            <a:endParaRPr lang="en-US" smtClean="0"/>
           </a:p>
           <a:p>
             <a:pPr lvl="1"/>
             <a:r>
-              <a:rPr lang="en-US" smtClean="0"/>
+              <a:rPr lang="en-US"/>
               <a:t>Second level</a:t>
             </a:r>
-            <a:endParaRPr lang="en-US" smtClean="0"/>
           </a:p>
           <a:p>
             <a:pPr lvl="2"/>
             <a:r>
-              <a:rPr lang="en-US" smtClean="0"/>
+              <a:rPr lang="en-US"/>
               <a:t>Third level</a:t>
             </a:r>
-            <a:endParaRPr lang="en-US" smtClean="0"/>
           </a:p>
           <a:p>
             <a:pPr lvl="3"/>
             <a:r>
-              <a:rPr lang="en-US" smtClean="0"/>
+              <a:rPr lang="en-US"/>
               <a:t>Fourth level</a:t>
             </a:r>
-            <a:endParaRPr lang="en-US" smtClean="0"/>
           </a:p>
           <a:p>
             <a:pPr lvl="4"/>
             <a:r>
-              <a:rPr lang="en-US" smtClean="0"/>
+              <a:rPr lang="en-US"/>
               <a:t>Fifth level</a:t>
             </a:r>
-            <a:endParaRPr lang="en-US"/>
           </a:p>
         </p:txBody>
       </p:sp>
@@ -2891,6 +2853,7 @@
           <a:p>
             <a:fld id="{63A1C593-65D0-4073-BCC9-577B9352EA97}" type="datetimeFigureOut">
               <a:rPr lang="en-US" smtClean="0"/>
+              <a:t>8/8/2023</a:t>
             </a:fld>
             <a:endParaRPr lang="en-US"/>
           </a:p>
@@ -2968,6 +2931,7 @@
           <a:p>
             <a:fld id="{9B618960-8005-486C-9A75-10CB2AAC16F9}" type="slidenum">
               <a:rPr lang="en-US" smtClean="0"/>
+              <a:t>‹#›</a:t>
             </a:fld>
             <a:endParaRPr lang="en-US"/>
           </a:p>
@@ -3297,7 +3261,7 @@
           <p:nvPr/>
         </p:nvPicPr>
         <p:blipFill>
-          <a:blip r:embed="rId1" cstate="print"/>
+          <a:blip r:embed="rId2" cstate="print"/>
           <a:stretch>
             <a:fillRect/>
           </a:stretch>
@@ -3592,9 +3556,11 @@
         <p:spPr/>
         <p:txBody>
           <a:bodyPr/>
+          <a:lstStyle/>
           <a:p>
             <a:fld id="{9B618960-8005-486C-9A75-10CB2AAC16F9}" type="slidenum">
               <a:rPr lang="en-US" smtClean="0"/>
+              <a:t>1</a:t>
             </a:fld>
             <a:endParaRPr lang="en-US"/>
           </a:p>
@@ -3676,9 +3642,11 @@
         <p:spPr/>
         <p:txBody>
           <a:bodyPr/>
+          <a:lstStyle/>
           <a:p>
             <a:fld id="{9B618960-8005-486C-9A75-10CB2AAC16F9}" type="slidenum">
               <a:rPr lang="en-US" smtClean="0"/>
+              <a:t>2</a:t>
             </a:fld>
             <a:endParaRPr lang="en-US"/>
           </a:p>
@@ -3698,12 +3666,12 @@
           <a:graphicData uri="http://schemas.openxmlformats.org/presentationml/2006/ole">
             <mc:AlternateContent xmlns:mc="http://schemas.openxmlformats.org/markup-compatibility/2006">
               <mc:Choice xmlns:v="urn:schemas-microsoft-com:vml" Requires="v">
-                <p:oleObj spid="_x0000_s7" name="" r:id="rId1" imgW="10496550" imgH="5562600" progId="Paint.Picture">
+                <p:oleObj r:id="rId2" imgW="10496550" imgH="5562600" progId="Paint.Picture">
                   <p:embed/>
                 </p:oleObj>
               </mc:Choice>
               <mc:Fallback>
-                <p:oleObj name="" r:id="rId1" imgW="10496550" imgH="5562600" progId="Paint.Picture">
+                <p:oleObj r:id="rId2" imgW="10496550" imgH="5562600" progId="Paint.Picture">
                   <p:embed/>
                   <p:pic>
                     <p:nvPicPr>
@@ -3712,7 +3680,7 @@
                       <p:nvPr/>
                     </p:nvPicPr>
                     <p:blipFill>
-                      <a:blip r:embed="rId2"/>
+                      <a:blip r:embed="rId3"/>
                       <a:stretch>
                         <a:fillRect/>
                       </a:stretch>
@@ -3750,25 +3718,14 @@
         <p:cNvGrpSpPr/>
         <p:nvPr/>
       </p:nvGrpSpPr>
-      <p:grpSpPr/>
-      <p:sp>
-        <p:nvSpPr>
-          <p:cNvPr id="2" name="Title 1"/>
-          <p:cNvSpPr>
-            <a:spLocks noGrp="1"/>
-          </p:cNvSpPr>
-          <p:nvPr>
-            <p:ph type="title"/>
-          </p:nvPr>
-        </p:nvSpPr>
-        <p:spPr/>
-        <p:txBody>
-          <a:bodyPr/>
-          <a:p>
-            <a:endParaRPr lang="en-US"/>
-          </a:p>
-        </p:txBody>
-      </p:sp>
+      <p:grpSpPr>
+        <a:xfrm>
+          <a:off x="0" y="0"/>
+          <a:ext cx="0" cy="0"/>
+          <a:chOff x="0" y="0"/>
+          <a:chExt cx="0" cy="0"/>
+        </a:xfrm>
+      </p:grpSpPr>
       <p:sp>
         <p:nvSpPr>
           <p:cNvPr id="4" name="Slide Number Placeholder 3"/>
@@ -3782,9 +3739,11 @@
         <p:spPr/>
         <p:txBody>
           <a:bodyPr/>
+          <a:lstStyle/>
           <a:p>
             <a:fld id="{9B618960-8005-486C-9A75-10CB2AAC16F9}" type="slidenum">
               <a:rPr lang="en-US" smtClean="0"/>
+              <a:t>3</a:t>
             </a:fld>
             <a:endParaRPr lang="en-US"/>
           </a:p>
@@ -3794,7 +3753,7 @@
         <p:nvGraphicFramePr>
           <p:cNvPr id="6" name="Content Placeholder 5"/>
           <p:cNvGraphicFramePr>
-            <a:graphicFrameLocks noChangeAspect="1"/>
+            <a:graphicFrameLocks noGrp="1" noChangeAspect="1"/>
           </p:cNvGraphicFramePr>
           <p:nvPr>
             <p:ph idx="1"/>
@@ -3808,12 +3767,12 @@
           <a:graphicData uri="http://schemas.openxmlformats.org/presentationml/2006/ole">
             <mc:AlternateContent xmlns:mc="http://schemas.openxmlformats.org/markup-compatibility/2006">
               <mc:Choice xmlns:v="urn:schemas-microsoft-com:vml" Requires="v">
-                <p:oleObj spid="_x0000_s7" name="" r:id="rId1" imgW="10944225" imgH="5895975" progId="Paint.Picture">
+                <p:oleObj r:id="rId2" imgW="10944225" imgH="5895975" progId="Paint.Picture">
                   <p:embed/>
                 </p:oleObj>
               </mc:Choice>
               <mc:Fallback>
-                <p:oleObj name="" r:id="rId1" imgW="10944225" imgH="5895975" progId="Paint.Picture">
+                <p:oleObj r:id="rId2" imgW="10944225" imgH="5895975" progId="Paint.Picture">
                   <p:embed/>
                   <p:pic>
                     <p:nvPicPr>
@@ -3822,7 +3781,7 @@
                       <p:nvPr/>
                     </p:nvPicPr>
                     <p:blipFill>
-                      <a:blip r:embed="rId2"/>
+                      <a:blip r:embed="rId3"/>
                       <a:stretch>
                         <a:fillRect/>
                       </a:stretch>
@@ -3860,25 +3819,14 @@
         <p:cNvGrpSpPr/>
         <p:nvPr/>
       </p:nvGrpSpPr>
-      <p:grpSpPr/>
-      <p:sp>
-        <p:nvSpPr>
-          <p:cNvPr id="2" name="Title 1"/>
-          <p:cNvSpPr>
-            <a:spLocks noGrp="1"/>
-          </p:cNvSpPr>
-          <p:nvPr>
-            <p:ph type="title"/>
-          </p:nvPr>
-        </p:nvSpPr>
-        <p:spPr/>
-        <p:txBody>
-          <a:bodyPr/>
-          <a:p>
-            <a:endParaRPr lang="en-US"/>
-          </a:p>
-        </p:txBody>
-      </p:sp>
+      <p:grpSpPr>
+        <a:xfrm>
+          <a:off x="0" y="0"/>
+          <a:ext cx="0" cy="0"/>
+          <a:chOff x="0" y="0"/>
+          <a:chExt cx="0" cy="0"/>
+        </a:xfrm>
+      </p:grpSpPr>
       <p:sp>
         <p:nvSpPr>
           <p:cNvPr id="4" name="Slide Number Placeholder 3"/>
@@ -3892,9 +3840,11 @@
         <p:spPr/>
         <p:txBody>
           <a:bodyPr/>
+          <a:lstStyle/>
           <a:p>
             <a:fld id="{9B618960-8005-486C-9A75-10CB2AAC16F9}" type="slidenum">
               <a:rPr lang="en-US" smtClean="0"/>
+              <a:t>4</a:t>
             </a:fld>
             <a:endParaRPr lang="en-US"/>
           </a:p>
@@ -3904,14 +3854,14 @@
         <p:nvPicPr>
           <p:cNvPr id="5" name="Content Placeholder 4"/>
           <p:cNvPicPr>
-            <a:picLocks noChangeAspect="1"/>
+            <a:picLocks noGrp="1" noChangeAspect="1"/>
           </p:cNvPicPr>
           <p:nvPr>
             <p:ph idx="1"/>
           </p:nvPr>
         </p:nvPicPr>
         <p:blipFill>
-          <a:blip r:embed="rId1"/>
+          <a:blip r:embed="rId2"/>
           <a:stretch>
             <a:fillRect/>
           </a:stretch>
@@ -3943,25 +3893,14 @@
         <p:cNvGrpSpPr/>
         <p:nvPr/>
       </p:nvGrpSpPr>
-      <p:grpSpPr/>
-      <p:sp>
-        <p:nvSpPr>
-          <p:cNvPr id="2" name="Title 1"/>
-          <p:cNvSpPr>
-            <a:spLocks noGrp="1"/>
-          </p:cNvSpPr>
-          <p:nvPr>
-            <p:ph type="title"/>
-          </p:nvPr>
-        </p:nvSpPr>
-        <p:spPr/>
-        <p:txBody>
-          <a:bodyPr/>
-          <a:p>
-            <a:endParaRPr lang="en-US"/>
-          </a:p>
-        </p:txBody>
-      </p:sp>
+      <p:grpSpPr>
+        <a:xfrm>
+          <a:off x="0" y="0"/>
+          <a:ext cx="0" cy="0"/>
+          <a:chOff x="0" y="0"/>
+          <a:chExt cx="0" cy="0"/>
+        </a:xfrm>
+      </p:grpSpPr>
       <p:sp>
         <p:nvSpPr>
           <p:cNvPr id="4" name="Slide Number Placeholder 3"/>
@@ -3975,9 +3914,11 @@
         <p:spPr/>
         <p:txBody>
           <a:bodyPr/>
+          <a:lstStyle/>
           <a:p>
             <a:fld id="{9B618960-8005-486C-9A75-10CB2AAC16F9}" type="slidenum">
               <a:rPr lang="en-US" smtClean="0"/>
+              <a:t>5</a:t>
             </a:fld>
             <a:endParaRPr lang="en-US"/>
           </a:p>
@@ -3987,14 +3928,14 @@
         <p:nvPicPr>
           <p:cNvPr id="5" name="Content Placeholder 4"/>
           <p:cNvPicPr>
-            <a:picLocks noChangeAspect="1"/>
+            <a:picLocks noGrp="1" noChangeAspect="1"/>
           </p:cNvPicPr>
           <p:nvPr>
             <p:ph idx="1"/>
           </p:nvPr>
         </p:nvPicPr>
         <p:blipFill>
-          <a:blip r:embed="rId1"/>
+          <a:blip r:embed="rId2"/>
           <a:stretch>
             <a:fillRect/>
           </a:stretch>
@@ -4026,7 +3967,14 @@
         <p:cNvGrpSpPr/>
         <p:nvPr/>
       </p:nvGrpSpPr>
-      <p:grpSpPr/>
+      <p:grpSpPr>
+        <a:xfrm>
+          <a:off x="0" y="0"/>
+          <a:ext cx="0" cy="0"/>
+          <a:chOff x="0" y="0"/>
+          <a:chExt cx="0" cy="0"/>
+        </a:xfrm>
+      </p:grpSpPr>
       <p:sp>
         <p:nvSpPr>
           <p:cNvPr id="2" name="Title 1"/>
@@ -4040,6 +3988,7 @@
         <p:spPr/>
         <p:txBody>
           <a:bodyPr/>
+          <a:lstStyle/>
           <a:p>
             <a:endParaRPr lang="en-US"/>
           </a:p>
@@ -4058,9 +4007,11 @@
         <p:spPr/>
         <p:txBody>
           <a:bodyPr/>
+          <a:lstStyle/>
           <a:p>
             <a:fld id="{9B618960-8005-486C-9A75-10CB2AAC16F9}" type="slidenum">
               <a:rPr lang="en-US" smtClean="0"/>
+              <a:t>6</a:t>
             </a:fld>
             <a:endParaRPr lang="en-US"/>
           </a:p>
@@ -4070,14 +4021,14 @@
         <p:nvPicPr>
           <p:cNvPr id="5" name="Content Placeholder 4"/>
           <p:cNvPicPr>
-            <a:picLocks noChangeAspect="1"/>
+            <a:picLocks noGrp="1" noChangeAspect="1"/>
           </p:cNvPicPr>
           <p:nvPr>
             <p:ph idx="1"/>
           </p:nvPr>
         </p:nvPicPr>
         <p:blipFill>
-          <a:blip r:embed="rId1"/>
+          <a:blip r:embed="rId2"/>
           <a:stretch>
             <a:fillRect/>
           </a:stretch>
@@ -4109,25 +4060,14 @@
         <p:cNvGrpSpPr/>
         <p:nvPr/>
       </p:nvGrpSpPr>
-      <p:grpSpPr/>
-      <p:sp>
-        <p:nvSpPr>
-          <p:cNvPr id="2" name="Title 1"/>
-          <p:cNvSpPr>
-            <a:spLocks noGrp="1"/>
-          </p:cNvSpPr>
-          <p:nvPr>
-            <p:ph type="title"/>
-          </p:nvPr>
-        </p:nvSpPr>
-        <p:spPr/>
-        <p:txBody>
-          <a:bodyPr/>
-          <a:p>
-            <a:endParaRPr lang="en-US"/>
-          </a:p>
-        </p:txBody>
-      </p:sp>
+      <p:grpSpPr>
+        <a:xfrm>
+          <a:off x="0" y="0"/>
+          <a:ext cx="0" cy="0"/>
+          <a:chOff x="0" y="0"/>
+          <a:chExt cx="0" cy="0"/>
+        </a:xfrm>
+      </p:grpSpPr>
       <p:sp>
         <p:nvSpPr>
           <p:cNvPr id="4" name="Slide Number Placeholder 3"/>
@@ -4141,9 +4081,11 @@
         <p:spPr/>
         <p:txBody>
           <a:bodyPr/>
+          <a:lstStyle/>
           <a:p>
             <a:fld id="{9B618960-8005-486C-9A75-10CB2AAC16F9}" type="slidenum">
               <a:rPr lang="en-US" smtClean="0"/>
+              <a:t>7</a:t>
             </a:fld>
             <a:endParaRPr lang="en-US"/>
           </a:p>
@@ -4153,14 +4095,14 @@
         <p:nvPicPr>
           <p:cNvPr id="5" name="Content Placeholder 4"/>
           <p:cNvPicPr>
-            <a:picLocks noChangeAspect="1"/>
+            <a:picLocks noGrp="1" noChangeAspect="1"/>
           </p:cNvPicPr>
           <p:nvPr>
             <p:ph idx="1"/>
           </p:nvPr>
         </p:nvPicPr>
         <p:blipFill>
-          <a:blip r:embed="rId1"/>
+          <a:blip r:embed="rId2"/>
           <a:stretch>
             <a:fillRect/>
           </a:stretch>
@@ -4184,7 +4126,7 @@
           <p:nvPr/>
         </p:nvPicPr>
         <p:blipFill>
-          <a:blip r:embed="rId2"/>
+          <a:blip r:embed="rId3"/>
           <a:stretch>
             <a:fillRect/>
           </a:stretch>
@@ -4216,7 +4158,14 @@
         <p:cNvGrpSpPr/>
         <p:nvPr/>
       </p:nvGrpSpPr>
-      <p:grpSpPr/>
+      <p:grpSpPr>
+        <a:xfrm>
+          <a:off x="0" y="0"/>
+          <a:ext cx="0" cy="0"/>
+          <a:chOff x="0" y="0"/>
+          <a:chExt cx="0" cy="0"/>
+        </a:xfrm>
+      </p:grpSpPr>
       <p:sp>
         <p:nvSpPr>
           <p:cNvPr id="4" name="Slide Number Placeholder 3"/>
@@ -4230,9 +4179,11 @@
         <p:spPr/>
         <p:txBody>
           <a:bodyPr/>
+          <a:lstStyle/>
           <a:p>
             <a:fld id="{9B618960-8005-486C-9A75-10CB2AAC16F9}" type="slidenum">
               <a:rPr lang="en-US" smtClean="0"/>
+              <a:t>8</a:t>
             </a:fld>
             <a:endParaRPr lang="en-US"/>
           </a:p>
@@ -4242,14 +4193,14 @@
         <p:nvPicPr>
           <p:cNvPr id="5" name="Content Placeholder 4"/>
           <p:cNvPicPr>
-            <a:picLocks noChangeAspect="1"/>
+            <a:picLocks noGrp="1" noChangeAspect="1"/>
           </p:cNvPicPr>
           <p:nvPr>
             <p:ph idx="1"/>
           </p:nvPr>
         </p:nvPicPr>
         <p:blipFill>
-          <a:blip r:embed="rId1"/>
+          <a:blip r:embed="rId2"/>
           <a:stretch>
             <a:fillRect/>
           </a:stretch>
@@ -4523,6 +4474,8 @@
       </a:bgFillStyleLst>
     </a:fmtScheme>
   </a:themeElements>
+  <a:objectDefaults/>
+  <a:extraClrSchemeLst/>
   <a:extLst>
     <a:ext uri="{05A4C25C-085E-4340-85A3-A5531E510DB2}">
       <thm15:themeFamily xmlns:thm15="http://schemas.microsoft.com/office/thememl/2012/main" name="Office Theme" id="{62F939B6-93AF-4DB8-9C6B-D6C7DFDC589F}" vid="{4A3C46E8-61CC-4603-A589-7422A47A8E4A}"/>
@@ -4782,6 +4735,8 @@
       </a:bgFillStyleLst>
     </a:fmtScheme>
   </a:themeElements>
+  <a:objectDefaults/>
+  <a:extraClrSchemeLst/>
   <a:extLst>
     <a:ext uri="{05A4C25C-085E-4340-85A3-A5531E510DB2}">
       <thm15:themeFamily xmlns:thm15="http://schemas.microsoft.com/office/thememl/2012/main" name="Office Theme" id="{62F939B6-93AF-4DB8-9C6B-D6C7DFDC589F}" vid="{4A3C46E8-61CC-4603-A589-7422A47A8E4A}"/>
